--- a/changgyu_참고자료/bidirectional_LSTM.pptx
+++ b/changgyu_참고자료/bidirectional_LSTM.pptx
@@ -104,6 +104,11 @@
       </a:defRPr>
     </a:lvl9pPr>
   </p:defaultTextStyle>
+  <p:extLst>
+    <p:ext uri="{EFAFB233-063F-42B5-8137-9DF3F51BA10A}">
+      <p15:sldGuideLst xmlns:p15="http://schemas.microsoft.com/office/powerpoint/2012/main"/>
+    </p:ext>
+  </p:extLst>
 </p:presentation>
 </file>
 
@@ -2976,7 +2981,7 @@
             </p:nvSpPr>
             <p:spPr>
               <a:xfrm>
-                <a:off x="2624315" y="5760000"/>
+                <a:off x="2471915" y="5760000"/>
                 <a:ext cx="720000" cy="720000"/>
               </a:xfrm>
               <a:prstGeom prst="ellipse">
@@ -3091,7 +3096,7 @@
             </p:nvSpPr>
             <p:spPr>
               <a:xfrm>
-                <a:off x="2624315" y="5760000"/>
+                <a:off x="2471915" y="5760000"/>
                 <a:ext cx="720000" cy="720000"/>
               </a:xfrm>
               <a:prstGeom prst="ellipse">
@@ -3132,7 +3137,7 @@
             </p:nvSpPr>
             <p:spPr>
               <a:xfrm>
-                <a:off x="7317568" y="5777445"/>
+                <a:off x="7165168" y="5777445"/>
                 <a:ext cx="720000" cy="720000"/>
               </a:xfrm>
               <a:prstGeom prst="ellipse">
@@ -3247,7 +3252,7 @@
             </p:nvSpPr>
             <p:spPr>
               <a:xfrm>
-                <a:off x="7317568" y="5777445"/>
+                <a:off x="7165168" y="5777445"/>
                 <a:ext cx="720000" cy="720000"/>
               </a:xfrm>
               <a:prstGeom prst="ellipse">
@@ -3288,7 +3293,7 @@
             </p:nvSpPr>
             <p:spPr>
               <a:xfrm>
-                <a:off x="5057278" y="5760000"/>
+                <a:off x="4904878" y="5760000"/>
                 <a:ext cx="720000" cy="720000"/>
               </a:xfrm>
               <a:prstGeom prst="ellipse">
@@ -3385,7 +3390,7 @@
             </p:nvSpPr>
             <p:spPr>
               <a:xfrm>
-                <a:off x="5057278" y="5760000"/>
+                <a:off x="4904878" y="5760000"/>
                 <a:ext cx="720000" cy="720000"/>
               </a:xfrm>
               <a:prstGeom prst="ellipse">
@@ -3426,7 +3431,7 @@
             </p:nvSpPr>
             <p:spPr>
               <a:xfrm>
-                <a:off x="2675860" y="545874"/>
+                <a:off x="2523460" y="545874"/>
                 <a:ext cx="720000" cy="720000"/>
               </a:xfrm>
               <a:prstGeom prst="ellipse">
@@ -3541,7 +3546,7 @@
             </p:nvSpPr>
             <p:spPr>
               <a:xfrm>
-                <a:off x="2675860" y="545874"/>
+                <a:off x="2523460" y="545874"/>
                 <a:ext cx="720000" cy="720000"/>
               </a:xfrm>
               <a:prstGeom prst="ellipse">
@@ -3582,7 +3587,7 @@
             </p:nvSpPr>
             <p:spPr>
               <a:xfrm>
-                <a:off x="7317568" y="545874"/>
+                <a:off x="7165168" y="545874"/>
                 <a:ext cx="720000" cy="720000"/>
               </a:xfrm>
               <a:prstGeom prst="ellipse">
@@ -3697,7 +3702,7 @@
             </p:nvSpPr>
             <p:spPr>
               <a:xfrm>
-                <a:off x="7317568" y="545874"/>
+                <a:off x="7165168" y="545874"/>
                 <a:ext cx="720000" cy="720000"/>
               </a:xfrm>
               <a:prstGeom prst="ellipse">
@@ -3738,7 +3743,7 @@
             </p:nvSpPr>
             <p:spPr>
               <a:xfrm>
-                <a:off x="4941462" y="545874"/>
+                <a:off x="4789062" y="545874"/>
                 <a:ext cx="720000" cy="720000"/>
               </a:xfrm>
               <a:prstGeom prst="ellipse">
@@ -3835,7 +3840,7 @@
             </p:nvSpPr>
             <p:spPr>
               <a:xfrm>
-                <a:off x="4941462" y="545874"/>
+                <a:off x="4789062" y="545874"/>
                 <a:ext cx="720000" cy="720000"/>
               </a:xfrm>
               <a:prstGeom prst="ellipse">
@@ -3874,7 +3879,7 @@
         </p:nvSpPr>
         <p:spPr>
           <a:xfrm>
-            <a:off x="-9991" y="1829271"/>
+            <a:off x="-162391" y="1829271"/>
             <a:ext cx="2149161" cy="1015663"/>
           </a:xfrm>
           <a:prstGeom prst="rect">
@@ -3918,7 +3923,7 @@
         </p:nvSpPr>
         <p:spPr>
           <a:xfrm>
-            <a:off x="130237" y="4172168"/>
+            <a:off x="-22163" y="4172168"/>
             <a:ext cx="1868704" cy="1015663"/>
           </a:xfrm>
           <a:prstGeom prst="rect">
@@ -3962,7 +3967,7 @@
         </p:nvSpPr>
         <p:spPr>
           <a:xfrm>
-            <a:off x="333214" y="5843001"/>
+            <a:off x="180814" y="5843001"/>
             <a:ext cx="1462748" cy="553998"/>
           </a:xfrm>
           <a:prstGeom prst="rect">
@@ -3999,7 +4004,7 @@
         </p:nvSpPr>
         <p:spPr>
           <a:xfrm>
-            <a:off x="116281" y="472273"/>
+            <a:off x="-36119" y="472273"/>
             <a:ext cx="1896615" cy="553998"/>
           </a:xfrm>
           <a:prstGeom prst="rect">
@@ -4036,7 +4041,7 @@
         </p:nvGrpSpPr>
         <p:grpSpPr>
           <a:xfrm>
-            <a:off x="1147655" y="3469171"/>
+            <a:off x="995255" y="3469171"/>
             <a:ext cx="724035" cy="54000"/>
             <a:chOff x="3415862" y="5665076"/>
             <a:chExt cx="965380" cy="72000"/>
@@ -4356,7 +4361,7 @@
             </p:nvSpPr>
             <p:spPr>
               <a:xfrm>
-                <a:off x="2094189" y="1388275"/>
+                <a:off x="1941789" y="1388275"/>
                 <a:ext cx="975395" cy="561629"/>
               </a:xfrm>
               <a:prstGeom prst="rect">
@@ -4443,7 +4448,7 @@
             </p:nvSpPr>
             <p:spPr>
               <a:xfrm>
-                <a:off x="2094189" y="1388275"/>
+                <a:off x="1941789" y="1388275"/>
                 <a:ext cx="975395" cy="561629"/>
               </a:xfrm>
               <a:prstGeom prst="rect">
@@ -4481,7 +4486,7 @@
             </p:nvSpPr>
             <p:spPr>
               <a:xfrm>
-                <a:off x="3656349" y="1176656"/>
+                <a:off x="3503949" y="1176656"/>
                 <a:ext cx="975395" cy="636328"/>
               </a:xfrm>
               <a:prstGeom prst="rect">
@@ -4568,7 +4573,7 @@
             </p:nvSpPr>
             <p:spPr>
               <a:xfrm>
-                <a:off x="3656349" y="1176656"/>
+                <a:off x="3503949" y="1176656"/>
                 <a:ext cx="975395" cy="636328"/>
               </a:xfrm>
               <a:prstGeom prst="rect">
@@ -4606,7 +4611,7 @@
             </p:nvSpPr>
             <p:spPr>
               <a:xfrm>
-                <a:off x="4569555" y="1405946"/>
+                <a:off x="4417155" y="1405946"/>
                 <a:ext cx="675634" cy="544123"/>
               </a:xfrm>
               <a:prstGeom prst="rect">
@@ -4681,7 +4686,7 @@
             </p:nvSpPr>
             <p:spPr>
               <a:xfrm>
-                <a:off x="4569555" y="1405946"/>
+                <a:off x="4417155" y="1405946"/>
                 <a:ext cx="675634" cy="544123"/>
               </a:xfrm>
               <a:prstGeom prst="rect">
@@ -4719,7 +4724,7 @@
             </p:nvSpPr>
             <p:spPr>
               <a:xfrm>
-                <a:off x="6781372" y="1448210"/>
+                <a:off x="6628972" y="1448210"/>
                 <a:ext cx="975395" cy="561757"/>
               </a:xfrm>
               <a:prstGeom prst="rect">
@@ -4806,7 +4811,7 @@
             </p:nvSpPr>
             <p:spPr>
               <a:xfrm>
-                <a:off x="6781372" y="1448210"/>
+                <a:off x="6628972" y="1448210"/>
                 <a:ext cx="975395" cy="561757"/>
               </a:xfrm>
               <a:prstGeom prst="rect">
@@ -4844,7 +4849,7 @@
             </p:nvSpPr>
             <p:spPr>
               <a:xfrm>
-                <a:off x="5941239" y="1170460"/>
+                <a:off x="5788839" y="1170460"/>
                 <a:ext cx="664413" cy="627416"/>
               </a:xfrm>
               <a:prstGeom prst="rect">
@@ -4919,7 +4924,7 @@
             </p:nvSpPr>
             <p:spPr>
               <a:xfrm>
-                <a:off x="5941239" y="1170460"/>
+                <a:off x="5788839" y="1170460"/>
                 <a:ext cx="664413" cy="627416"/>
               </a:xfrm>
               <a:prstGeom prst="rect">
@@ -4957,7 +4962,7 @@
             </p:nvSpPr>
             <p:spPr>
               <a:xfrm>
-                <a:off x="8347094" y="1177884"/>
+                <a:off x="8194694" y="1177884"/>
                 <a:ext cx="975395" cy="636456"/>
               </a:xfrm>
               <a:prstGeom prst="rect">
@@ -5044,7 +5049,7 @@
             </p:nvSpPr>
             <p:spPr>
               <a:xfrm>
-                <a:off x="8347094" y="1177884"/>
+                <a:off x="8194694" y="1177884"/>
                 <a:ext cx="975395" cy="636456"/>
               </a:xfrm>
               <a:prstGeom prst="rect">
@@ -5082,7 +5087,7 @@
         </p:nvCxnSpPr>
         <p:spPr>
           <a:xfrm>
-            <a:off x="2951839" y="5121812"/>
+            <a:off x="2799439" y="5121812"/>
             <a:ext cx="0" cy="676800"/>
           </a:xfrm>
           <a:prstGeom prst="straightConnector1">
@@ -5121,7 +5126,7 @@
         </p:nvCxnSpPr>
         <p:spPr>
           <a:xfrm>
-            <a:off x="2951839" y="1411043"/>
+            <a:off x="2799439" y="1411043"/>
             <a:ext cx="270" cy="677504"/>
           </a:xfrm>
           <a:prstGeom prst="straightConnector1">
@@ -5158,7 +5163,7 @@
         </p:nvSpPr>
         <p:spPr>
           <a:xfrm>
-            <a:off x="2232109" y="2088547"/>
+            <a:off x="2079709" y="2088547"/>
             <a:ext cx="1440000" cy="720000"/>
           </a:xfrm>
           <a:prstGeom prst="rect">
@@ -5208,7 +5213,7 @@
             </p:nvSpPr>
             <p:spPr>
               <a:xfrm>
-                <a:off x="2280907" y="2142386"/>
+                <a:off x="2128507" y="2142386"/>
                 <a:ext cx="1360517" cy="647870"/>
               </a:xfrm>
               <a:prstGeom prst="rect">
@@ -5268,7 +5273,7 @@
             </p:nvSpPr>
             <p:spPr>
               <a:xfrm>
-                <a:off x="2280907" y="2142386"/>
+                <a:off x="2128507" y="2142386"/>
                 <a:ext cx="1360517" cy="647870"/>
               </a:xfrm>
               <a:prstGeom prst="rect">
@@ -5304,7 +5309,7 @@
         </p:nvSpPr>
         <p:spPr>
           <a:xfrm>
-            <a:off x="2231839" y="4401813"/>
+            <a:off x="2079439" y="4401813"/>
             <a:ext cx="1440000" cy="720000"/>
           </a:xfrm>
           <a:prstGeom prst="rect">
@@ -5354,7 +5359,7 @@
             </p:nvSpPr>
             <p:spPr>
               <a:xfrm>
-                <a:off x="2267330" y="4424289"/>
+                <a:off x="2114930" y="4424289"/>
                 <a:ext cx="1374094" cy="647870"/>
               </a:xfrm>
               <a:prstGeom prst="rect">
@@ -5411,7 +5416,7 @@
             </p:nvSpPr>
             <p:spPr>
               <a:xfrm>
-                <a:off x="2267330" y="4424289"/>
+                <a:off x="2114930" y="4424289"/>
                 <a:ext cx="1374094" cy="647870"/>
               </a:xfrm>
               <a:prstGeom prst="rect">
@@ -5447,7 +5452,7 @@
         </p:nvSpPr>
         <p:spPr>
           <a:xfrm rot="3374130">
-            <a:off x="-421139" y="457623"/>
+            <a:off x="-573539" y="457623"/>
             <a:ext cx="4320000" cy="4320000"/>
           </a:xfrm>
           <a:prstGeom prst="arc">
@@ -5494,7 +5499,7 @@
         </p:nvSpPr>
         <p:spPr>
           <a:xfrm rot="19310002">
-            <a:off x="1921776" y="2523510"/>
+            <a:off x="1769376" y="2523510"/>
             <a:ext cx="4320000" cy="4320000"/>
           </a:xfrm>
           <a:prstGeom prst="arc">
@@ -5544,7 +5549,7 @@
         </p:nvCxnSpPr>
         <p:spPr>
           <a:xfrm>
-            <a:off x="5266233" y="5121812"/>
+            <a:off x="5113833" y="5121812"/>
             <a:ext cx="0" cy="676800"/>
           </a:xfrm>
           <a:prstGeom prst="straightConnector1">
@@ -5583,7 +5588,7 @@
         </p:nvCxnSpPr>
         <p:spPr>
           <a:xfrm>
-            <a:off x="5266233" y="1411043"/>
+            <a:off x="5113833" y="1411043"/>
             <a:ext cx="270" cy="677504"/>
           </a:xfrm>
           <a:prstGeom prst="straightConnector1">
@@ -5620,7 +5625,7 @@
         </p:nvSpPr>
         <p:spPr>
           <a:xfrm>
-            <a:off x="4546503" y="2088547"/>
+            <a:off x="4394103" y="2088547"/>
             <a:ext cx="1440000" cy="720000"/>
           </a:xfrm>
           <a:prstGeom prst="rect">
@@ -5670,7 +5675,7 @@
             </p:nvSpPr>
             <p:spPr>
               <a:xfrm>
-                <a:off x="4595301" y="2142386"/>
+                <a:off x="4442901" y="2142386"/>
                 <a:ext cx="1360517" cy="647870"/>
               </a:xfrm>
               <a:prstGeom prst="rect">
@@ -5730,7 +5735,7 @@
             </p:nvSpPr>
             <p:spPr>
               <a:xfrm>
-                <a:off x="4595301" y="2142386"/>
+                <a:off x="4442901" y="2142386"/>
                 <a:ext cx="1360517" cy="647870"/>
               </a:xfrm>
               <a:prstGeom prst="rect">
@@ -5766,7 +5771,7 @@
         </p:nvSpPr>
         <p:spPr>
           <a:xfrm>
-            <a:off x="4546233" y="4401813"/>
+            <a:off x="4393833" y="4401813"/>
             <a:ext cx="1440000" cy="720000"/>
           </a:xfrm>
           <a:prstGeom prst="rect">
@@ -5816,7 +5821,7 @@
             </p:nvSpPr>
             <p:spPr>
               <a:xfrm>
-                <a:off x="4581724" y="4424289"/>
+                <a:off x="4429324" y="4424289"/>
                 <a:ext cx="1374094" cy="647870"/>
               </a:xfrm>
               <a:prstGeom prst="rect">
@@ -5873,7 +5878,7 @@
             </p:nvSpPr>
             <p:spPr>
               <a:xfrm>
-                <a:off x="4581724" y="4424289"/>
+                <a:off x="4429324" y="4424289"/>
                 <a:ext cx="1374094" cy="647870"/>
               </a:xfrm>
               <a:prstGeom prst="rect">
@@ -5909,7 +5914,7 @@
         </p:nvSpPr>
         <p:spPr>
           <a:xfrm rot="19310002">
-            <a:off x="4236170" y="2523510"/>
+            <a:off x="4083770" y="2523510"/>
             <a:ext cx="4320000" cy="4320000"/>
           </a:xfrm>
           <a:prstGeom prst="arc">
@@ -5959,7 +5964,7 @@
         </p:nvCxnSpPr>
         <p:spPr>
           <a:xfrm>
-            <a:off x="7645092" y="5125442"/>
+            <a:off x="7492692" y="5125442"/>
             <a:ext cx="0" cy="676800"/>
           </a:xfrm>
           <a:prstGeom prst="straightConnector1">
@@ -5998,7 +6003,7 @@
         </p:nvCxnSpPr>
         <p:spPr>
           <a:xfrm>
-            <a:off x="7645092" y="1414673"/>
+            <a:off x="7492692" y="1414673"/>
             <a:ext cx="270" cy="677504"/>
           </a:xfrm>
           <a:prstGeom prst="straightConnector1">
@@ -6035,7 +6040,7 @@
         </p:nvSpPr>
         <p:spPr>
           <a:xfrm>
-            <a:off x="6925362" y="2092177"/>
+            <a:off x="6772962" y="2092177"/>
             <a:ext cx="1440000" cy="720000"/>
           </a:xfrm>
           <a:prstGeom prst="rect">
@@ -6085,7 +6090,7 @@
             </p:nvSpPr>
             <p:spPr>
               <a:xfrm>
-                <a:off x="6974160" y="2146016"/>
+                <a:off x="6821760" y="2146016"/>
                 <a:ext cx="1360517" cy="647870"/>
               </a:xfrm>
               <a:prstGeom prst="rect">
@@ -6145,7 +6150,7 @@
             </p:nvSpPr>
             <p:spPr>
               <a:xfrm>
-                <a:off x="6974160" y="2146016"/>
+                <a:off x="6821760" y="2146016"/>
                 <a:ext cx="1360517" cy="647870"/>
               </a:xfrm>
               <a:prstGeom prst="rect">
@@ -6181,7 +6186,7 @@
         </p:nvSpPr>
         <p:spPr>
           <a:xfrm>
-            <a:off x="6925092" y="4405443"/>
+            <a:off x="6772692" y="4405443"/>
             <a:ext cx="1440000" cy="720000"/>
           </a:xfrm>
           <a:prstGeom prst="rect">
@@ -6231,7 +6236,7 @@
             </p:nvSpPr>
             <p:spPr>
               <a:xfrm>
-                <a:off x="6960583" y="4427919"/>
+                <a:off x="6808183" y="4427919"/>
                 <a:ext cx="1374094" cy="647870"/>
               </a:xfrm>
               <a:prstGeom prst="rect">
@@ -6288,7 +6293,7 @@
             </p:nvSpPr>
             <p:spPr>
               <a:xfrm>
-                <a:off x="6960583" y="4427919"/>
+                <a:off x="6808183" y="4427919"/>
                 <a:ext cx="1374094" cy="647870"/>
               </a:xfrm>
               <a:prstGeom prst="rect">
@@ -6324,7 +6329,7 @@
         </p:nvSpPr>
         <p:spPr>
           <a:xfrm rot="19310002">
-            <a:off x="6615029" y="2527140"/>
+            <a:off x="6462629" y="2527140"/>
             <a:ext cx="4320000" cy="4320000"/>
           </a:xfrm>
           <a:prstGeom prst="arc">
@@ -6372,7 +6377,7 @@
         </p:nvSpPr>
         <p:spPr>
           <a:xfrm rot="3374130">
-            <a:off x="1833136" y="453993"/>
+            <a:off x="1680736" y="453993"/>
             <a:ext cx="4320000" cy="4320000"/>
           </a:xfrm>
           <a:prstGeom prst="arc">
@@ -6419,7 +6424,7 @@
         </p:nvSpPr>
         <p:spPr>
           <a:xfrm rot="3374130">
-            <a:off x="4263521" y="438952"/>
+            <a:off x="4111121" y="438952"/>
             <a:ext cx="4320000" cy="4320000"/>
           </a:xfrm>
           <a:prstGeom prst="arc">
@@ -6466,7 +6471,7 @@
         </p:nvCxnSpPr>
         <p:spPr>
           <a:xfrm flipV="1">
-            <a:off x="3641424" y="2437429"/>
+            <a:off x="3489024" y="2437429"/>
             <a:ext cx="905079" cy="0"/>
           </a:xfrm>
           <a:prstGeom prst="straightConnector1">
@@ -6502,7 +6507,7 @@
         </p:nvCxnSpPr>
         <p:spPr>
           <a:xfrm flipV="1">
-            <a:off x="5986233" y="2437429"/>
+            <a:off x="5833833" y="2437429"/>
             <a:ext cx="905079" cy="0"/>
           </a:xfrm>
           <a:prstGeom prst="straightConnector1">
@@ -6538,7 +6543,7 @@
         </p:nvCxnSpPr>
         <p:spPr>
           <a:xfrm>
-            <a:off x="8365091" y="2437429"/>
+            <a:off x="8212691" y="2437429"/>
             <a:ext cx="540000" cy="0"/>
           </a:xfrm>
           <a:prstGeom prst="straightConnector1">
@@ -6574,7 +6579,7 @@
         </p:nvCxnSpPr>
         <p:spPr>
           <a:xfrm>
-            <a:off x="1691839" y="2437429"/>
+            <a:off x="1539439" y="2437429"/>
             <a:ext cx="540000" cy="0"/>
           </a:xfrm>
           <a:prstGeom prst="straightConnector1">
@@ -6610,7 +6615,7 @@
         </p:nvCxnSpPr>
         <p:spPr>
           <a:xfrm flipH="1" flipV="1">
-            <a:off x="5986233" y="4757989"/>
+            <a:off x="5833833" y="4757989"/>
             <a:ext cx="903600" cy="0"/>
           </a:xfrm>
           <a:prstGeom prst="straightConnector1">
@@ -6646,7 +6651,7 @@
         </p:nvCxnSpPr>
         <p:spPr>
           <a:xfrm flipH="1" flipV="1">
-            <a:off x="3653674" y="4757989"/>
+            <a:off x="3501274" y="4757989"/>
             <a:ext cx="882000" cy="0"/>
           </a:xfrm>
           <a:prstGeom prst="straightConnector1">
@@ -6682,7 +6687,7 @@
         </p:nvCxnSpPr>
         <p:spPr>
           <a:xfrm flipH="1" flipV="1">
-            <a:off x="8374569" y="4757989"/>
+            <a:off x="8222169" y="4757989"/>
             <a:ext cx="540000" cy="0"/>
           </a:xfrm>
           <a:prstGeom prst="straightConnector1">
@@ -6718,7 +6723,7 @@
         </p:nvCxnSpPr>
         <p:spPr>
           <a:xfrm flipH="1" flipV="1">
-            <a:off x="1696807" y="4757989"/>
+            <a:off x="1544407" y="4757989"/>
             <a:ext cx="540000" cy="0"/>
           </a:xfrm>
           <a:prstGeom prst="straightConnector1">

--- a/changgyu_참고자료/bidirectional_LSTM.pptx
+++ b/changgyu_참고자료/bidirectional_LSTM.pptx
@@ -243,7 +243,7 @@
           <a:p>
             <a:fld id="{BD64261E-6B2A-4449-9A45-90D0F12F1FCE}" type="datetimeFigureOut">
               <a:rPr lang="ko-KR" altLang="en-US" smtClean="0"/>
-              <a:t>2019-01-04</a:t>
+              <a:t>2019-02-22</a:t>
             </a:fld>
             <a:endParaRPr lang="ko-KR" altLang="en-US"/>
           </a:p>
@@ -413,7 +413,7 @@
           <a:p>
             <a:fld id="{BD64261E-6B2A-4449-9A45-90D0F12F1FCE}" type="datetimeFigureOut">
               <a:rPr lang="ko-KR" altLang="en-US" smtClean="0"/>
-              <a:t>2019-01-04</a:t>
+              <a:t>2019-02-22</a:t>
             </a:fld>
             <a:endParaRPr lang="ko-KR" altLang="en-US"/>
           </a:p>
@@ -593,7 +593,7 @@
           <a:p>
             <a:fld id="{BD64261E-6B2A-4449-9A45-90D0F12F1FCE}" type="datetimeFigureOut">
               <a:rPr lang="ko-KR" altLang="en-US" smtClean="0"/>
-              <a:t>2019-01-04</a:t>
+              <a:t>2019-02-22</a:t>
             </a:fld>
             <a:endParaRPr lang="ko-KR" altLang="en-US"/>
           </a:p>
@@ -763,7 +763,7 @@
           <a:p>
             <a:fld id="{BD64261E-6B2A-4449-9A45-90D0F12F1FCE}" type="datetimeFigureOut">
               <a:rPr lang="ko-KR" altLang="en-US" smtClean="0"/>
-              <a:t>2019-01-04</a:t>
+              <a:t>2019-02-22</a:t>
             </a:fld>
             <a:endParaRPr lang="ko-KR" altLang="en-US"/>
           </a:p>
@@ -1007,7 +1007,7 @@
           <a:p>
             <a:fld id="{BD64261E-6B2A-4449-9A45-90D0F12F1FCE}" type="datetimeFigureOut">
               <a:rPr lang="ko-KR" altLang="en-US" smtClean="0"/>
-              <a:t>2019-01-04</a:t>
+              <a:t>2019-02-22</a:t>
             </a:fld>
             <a:endParaRPr lang="ko-KR" altLang="en-US"/>
           </a:p>
@@ -1239,7 +1239,7 @@
           <a:p>
             <a:fld id="{BD64261E-6B2A-4449-9A45-90D0F12F1FCE}" type="datetimeFigureOut">
               <a:rPr lang="ko-KR" altLang="en-US" smtClean="0"/>
-              <a:t>2019-01-04</a:t>
+              <a:t>2019-02-22</a:t>
             </a:fld>
             <a:endParaRPr lang="ko-KR" altLang="en-US"/>
           </a:p>
@@ -1606,7 +1606,7 @@
           <a:p>
             <a:fld id="{BD64261E-6B2A-4449-9A45-90D0F12F1FCE}" type="datetimeFigureOut">
               <a:rPr lang="ko-KR" altLang="en-US" smtClean="0"/>
-              <a:t>2019-01-04</a:t>
+              <a:t>2019-02-22</a:t>
             </a:fld>
             <a:endParaRPr lang="ko-KR" altLang="en-US"/>
           </a:p>
@@ -1724,7 +1724,7 @@
           <a:p>
             <a:fld id="{BD64261E-6B2A-4449-9A45-90D0F12F1FCE}" type="datetimeFigureOut">
               <a:rPr lang="ko-KR" altLang="en-US" smtClean="0"/>
-              <a:t>2019-01-04</a:t>
+              <a:t>2019-02-22</a:t>
             </a:fld>
             <a:endParaRPr lang="ko-KR" altLang="en-US"/>
           </a:p>
@@ -1819,7 +1819,7 @@
           <a:p>
             <a:fld id="{BD64261E-6B2A-4449-9A45-90D0F12F1FCE}" type="datetimeFigureOut">
               <a:rPr lang="ko-KR" altLang="en-US" smtClean="0"/>
-              <a:t>2019-01-04</a:t>
+              <a:t>2019-02-22</a:t>
             </a:fld>
             <a:endParaRPr lang="ko-KR" altLang="en-US"/>
           </a:p>
@@ -2096,7 +2096,7 @@
           <a:p>
             <a:fld id="{BD64261E-6B2A-4449-9A45-90D0F12F1FCE}" type="datetimeFigureOut">
               <a:rPr lang="ko-KR" altLang="en-US" smtClean="0"/>
-              <a:t>2019-01-04</a:t>
+              <a:t>2019-02-22</a:t>
             </a:fld>
             <a:endParaRPr lang="ko-KR" altLang="en-US"/>
           </a:p>
@@ -2353,7 +2353,7 @@
           <a:p>
             <a:fld id="{BD64261E-6B2A-4449-9A45-90D0F12F1FCE}" type="datetimeFigureOut">
               <a:rPr lang="ko-KR" altLang="en-US" smtClean="0"/>
-              <a:t>2019-01-04</a:t>
+              <a:t>2019-02-22</a:t>
             </a:fld>
             <a:endParaRPr lang="ko-KR" altLang="en-US"/>
           </a:p>
@@ -2566,7 +2566,7 @@
           <a:p>
             <a:fld id="{BD64261E-6B2A-4449-9A45-90D0F12F1FCE}" type="datetimeFigureOut">
               <a:rPr lang="ko-KR" altLang="en-US" smtClean="0"/>
-              <a:t>2019-01-04</a:t>
+              <a:t>2019-02-22</a:t>
             </a:fld>
             <a:endParaRPr lang="ko-KR" altLang="en-US"/>
           </a:p>
@@ -3896,21 +3896,21 @@
             <a:pPr algn="ctr"/>
             <a:r>
               <a:rPr lang="en-US" altLang="ko-KR" sz="3000" b="1" dirty="0">
-                <a:latin typeface="times" panose="02020603050405020304" pitchFamily="18" charset="0"/>
-                <a:cs typeface="times" panose="02020603050405020304" pitchFamily="18" charset="0"/>
+                <a:latin typeface="Times New Roman" panose="02020603050405020304" pitchFamily="18" charset="0"/>
+                <a:cs typeface="Times New Roman" panose="02020603050405020304" pitchFamily="18" charset="0"/>
               </a:rPr>
               <a:t>Backward </a:t>
             </a:r>
             <a:r>
               <a:rPr lang="en-US" altLang="ko-KR" sz="3000" b="1" dirty="0" smtClean="0">
-                <a:latin typeface="times" panose="02020603050405020304" pitchFamily="18" charset="0"/>
-                <a:cs typeface="times" panose="02020603050405020304" pitchFamily="18" charset="0"/>
+                <a:latin typeface="Times New Roman" panose="02020603050405020304" pitchFamily="18" charset="0"/>
+                <a:cs typeface="Times New Roman" panose="02020603050405020304" pitchFamily="18" charset="0"/>
               </a:rPr>
               <a:t>layer</a:t>
             </a:r>
             <a:endParaRPr lang="ko-KR" altLang="en-US" sz="3000" b="1" dirty="0">
-              <a:latin typeface="times" panose="02020603050405020304" pitchFamily="18" charset="0"/>
-              <a:cs typeface="times" panose="02020603050405020304" pitchFamily="18" charset="0"/>
+              <a:latin typeface="Times New Roman" panose="02020603050405020304" pitchFamily="18" charset="0"/>
+              <a:cs typeface="Times New Roman" panose="02020603050405020304" pitchFamily="18" charset="0"/>
             </a:endParaRPr>
           </a:p>
         </p:txBody>
@@ -3940,21 +3940,21 @@
             <a:pPr algn="ctr"/>
             <a:r>
               <a:rPr lang="en-US" altLang="ko-KR" sz="3000" b="1" dirty="0">
-                <a:latin typeface="times" panose="02020603050405020304" pitchFamily="18" charset="0"/>
-                <a:cs typeface="times" panose="02020603050405020304" pitchFamily="18" charset="0"/>
+                <a:latin typeface="Times New Roman" panose="02020603050405020304" pitchFamily="18" charset="0"/>
+                <a:cs typeface="Times New Roman" panose="02020603050405020304" pitchFamily="18" charset="0"/>
               </a:rPr>
               <a:t>Forward </a:t>
             </a:r>
             <a:r>
               <a:rPr lang="en-US" altLang="ko-KR" sz="3000" b="1" dirty="0" smtClean="0">
-                <a:latin typeface="times" panose="02020603050405020304" pitchFamily="18" charset="0"/>
-                <a:cs typeface="times" panose="02020603050405020304" pitchFamily="18" charset="0"/>
+                <a:latin typeface="Times New Roman" panose="02020603050405020304" pitchFamily="18" charset="0"/>
+                <a:cs typeface="Times New Roman" panose="02020603050405020304" pitchFamily="18" charset="0"/>
               </a:rPr>
               <a:t>layer</a:t>
             </a:r>
             <a:endParaRPr lang="ko-KR" altLang="en-US" sz="3000" b="1" dirty="0">
-              <a:latin typeface="times" panose="02020603050405020304" pitchFamily="18" charset="0"/>
-              <a:cs typeface="times" panose="02020603050405020304" pitchFamily="18" charset="0"/>
+              <a:latin typeface="Times New Roman" panose="02020603050405020304" pitchFamily="18" charset="0"/>
+              <a:cs typeface="Times New Roman" panose="02020603050405020304" pitchFamily="18" charset="0"/>
             </a:endParaRPr>
           </a:p>
         </p:txBody>
@@ -3984,14 +3984,14 @@
             <a:pPr algn="ctr"/>
             <a:r>
               <a:rPr lang="en-US" altLang="ko-KR" sz="3000" b="1" dirty="0">
-                <a:latin typeface="times" panose="02020603050405020304" pitchFamily="18" charset="0"/>
-                <a:cs typeface="times" panose="02020603050405020304" pitchFamily="18" charset="0"/>
+                <a:latin typeface="Times New Roman" panose="02020603050405020304" pitchFamily="18" charset="0"/>
+                <a:cs typeface="Times New Roman" panose="02020603050405020304" pitchFamily="18" charset="0"/>
               </a:rPr>
               <a:t>Inputs</a:t>
             </a:r>
             <a:endParaRPr lang="ko-KR" altLang="en-US" sz="3000" b="1" dirty="0">
-              <a:latin typeface="times" panose="02020603050405020304" pitchFamily="18" charset="0"/>
-              <a:cs typeface="times" panose="02020603050405020304" pitchFamily="18" charset="0"/>
+              <a:latin typeface="Times New Roman" panose="02020603050405020304" pitchFamily="18" charset="0"/>
+              <a:cs typeface="Times New Roman" panose="02020603050405020304" pitchFamily="18" charset="0"/>
             </a:endParaRPr>
           </a:p>
         </p:txBody>
@@ -4021,14 +4021,14 @@
             <a:pPr algn="ctr"/>
             <a:r>
               <a:rPr lang="en-US" altLang="ko-KR" sz="3000" b="1" dirty="0">
-                <a:latin typeface="times" panose="02020603050405020304" pitchFamily="18" charset="0"/>
-                <a:cs typeface="times" panose="02020603050405020304" pitchFamily="18" charset="0"/>
+                <a:latin typeface="Times New Roman" panose="02020603050405020304" pitchFamily="18" charset="0"/>
+                <a:cs typeface="Times New Roman" panose="02020603050405020304" pitchFamily="18" charset="0"/>
               </a:rPr>
               <a:t>Outputs</a:t>
             </a:r>
             <a:endParaRPr lang="ko-KR" altLang="en-US" sz="3000" b="1" dirty="0">
-              <a:latin typeface="times" panose="02020603050405020304" pitchFamily="18" charset="0"/>
-              <a:cs typeface="times" panose="02020603050405020304" pitchFamily="18" charset="0"/>
+              <a:latin typeface="Times New Roman" panose="02020603050405020304" pitchFamily="18" charset="0"/>
+              <a:cs typeface="Times New Roman" panose="02020603050405020304" pitchFamily="18" charset="0"/>
             </a:endParaRPr>
           </a:p>
         </p:txBody>
@@ -4091,7 +4091,10 @@
             <a:lstStyle/>
             <a:p>
               <a:pPr algn="ctr"/>
-              <a:endParaRPr lang="ko-KR" altLang="en-US" sz="1350"/>
+              <a:endParaRPr lang="ko-KR" altLang="en-US" sz="1350">
+                <a:latin typeface="Times New Roman" panose="02020603050405020304" pitchFamily="18" charset="0"/>
+                <a:cs typeface="Times New Roman" panose="02020603050405020304" pitchFamily="18" charset="0"/>
+              </a:endParaRPr>
             </a:p>
           </p:txBody>
         </p:sp>
@@ -4139,7 +4142,10 @@
             <a:lstStyle/>
             <a:p>
               <a:pPr algn="ctr"/>
-              <a:endParaRPr lang="ko-KR" altLang="en-US" sz="1350"/>
+              <a:endParaRPr lang="ko-KR" altLang="en-US" sz="1350">
+                <a:latin typeface="Times New Roman" panose="02020603050405020304" pitchFamily="18" charset="0"/>
+                <a:cs typeface="Times New Roman" panose="02020603050405020304" pitchFamily="18" charset="0"/>
+              </a:endParaRPr>
             </a:p>
           </p:txBody>
         </p:sp>
@@ -4187,7 +4193,10 @@
             <a:lstStyle/>
             <a:p>
               <a:pPr algn="ctr"/>
-              <a:endParaRPr lang="ko-KR" altLang="en-US" sz="1350"/>
+              <a:endParaRPr lang="ko-KR" altLang="en-US" sz="1350">
+                <a:latin typeface="Times New Roman" panose="02020603050405020304" pitchFamily="18" charset="0"/>
+                <a:cs typeface="Times New Roman" panose="02020603050405020304" pitchFamily="18" charset="0"/>
+              </a:endParaRPr>
             </a:p>
           </p:txBody>
         </p:sp>
@@ -4250,7 +4259,10 @@
             <a:lstStyle/>
             <a:p>
               <a:pPr algn="ctr"/>
-              <a:endParaRPr lang="ko-KR" altLang="en-US" sz="1600"/>
+              <a:endParaRPr lang="ko-KR" altLang="en-US" sz="1600">
+                <a:latin typeface="Times New Roman" panose="02020603050405020304" pitchFamily="18" charset="0"/>
+                <a:cs typeface="Times New Roman" panose="02020603050405020304" pitchFamily="18" charset="0"/>
+              </a:endParaRPr>
             </a:p>
           </p:txBody>
         </p:sp>
@@ -4298,7 +4310,10 @@
             <a:lstStyle/>
             <a:p>
               <a:pPr algn="ctr"/>
-              <a:endParaRPr lang="ko-KR" altLang="en-US" sz="1600"/>
+              <a:endParaRPr lang="ko-KR" altLang="en-US" sz="1600">
+                <a:latin typeface="Times New Roman" panose="02020603050405020304" pitchFamily="18" charset="0"/>
+                <a:cs typeface="Times New Roman" panose="02020603050405020304" pitchFamily="18" charset="0"/>
+              </a:endParaRPr>
             </a:p>
           </p:txBody>
         </p:sp>
@@ -4346,7 +4361,10 @@
             <a:lstStyle/>
             <a:p>
               <a:pPr algn="ctr"/>
-              <a:endParaRPr lang="ko-KR" altLang="en-US" sz="1600"/>
+              <a:endParaRPr lang="ko-KR" altLang="en-US" sz="1600">
+                <a:latin typeface="Times New Roman" panose="02020603050405020304" pitchFamily="18" charset="0"/>
+                <a:cs typeface="Times New Roman" panose="02020603050405020304" pitchFamily="18" charset="0"/>
+              </a:endParaRPr>
             </a:p>
           </p:txBody>
         </p:sp>
@@ -5199,7 +5217,10 @@
           <a:lstStyle/>
           <a:p>
             <a:pPr algn="ctr"/>
-            <a:endParaRPr lang="ko-KR" altLang="en-US" dirty="0"/>
+            <a:endParaRPr lang="ko-KR" altLang="en-US" dirty="0">
+              <a:latin typeface="Times New Roman" panose="02020603050405020304" pitchFamily="18" charset="0"/>
+              <a:cs typeface="Times New Roman" panose="02020603050405020304" pitchFamily="18" charset="0"/>
+            </a:endParaRPr>
           </a:p>
         </p:txBody>
       </p:sp>
@@ -5345,7 +5366,10 @@
           <a:lstStyle/>
           <a:p>
             <a:pPr algn="ctr"/>
-            <a:endParaRPr lang="ko-KR" altLang="en-US" dirty="0"/>
+            <a:endParaRPr lang="ko-KR" altLang="en-US" dirty="0">
+              <a:latin typeface="Times New Roman" panose="02020603050405020304" pitchFamily="18" charset="0"/>
+              <a:cs typeface="Times New Roman" panose="02020603050405020304" pitchFamily="18" charset="0"/>
+            </a:endParaRPr>
           </a:p>
         </p:txBody>
       </p:sp>
@@ -5400,7 +5424,10 @@
                     </m:oMath>
                   </m:oMathPara>
                 </a14:m>
-                <a:endParaRPr lang="ko-KR" altLang="en-US" sz="3200" b="1" dirty="0"/>
+                <a:endParaRPr lang="ko-KR" altLang="en-US" sz="3200" b="1" dirty="0">
+                  <a:latin typeface="Times New Roman" panose="02020603050405020304" pitchFamily="18" charset="0"/>
+                  <a:cs typeface="Times New Roman" panose="02020603050405020304" pitchFamily="18" charset="0"/>
+                </a:endParaRPr>
               </a:p>
             </p:txBody>
           </p:sp>
@@ -5661,7 +5688,10 @@
           <a:lstStyle/>
           <a:p>
             <a:pPr algn="ctr"/>
-            <a:endParaRPr lang="ko-KR" altLang="en-US" dirty="0"/>
+            <a:endParaRPr lang="ko-KR" altLang="en-US" dirty="0">
+              <a:latin typeface="Times New Roman" panose="02020603050405020304" pitchFamily="18" charset="0"/>
+              <a:cs typeface="Times New Roman" panose="02020603050405020304" pitchFamily="18" charset="0"/>
+            </a:endParaRPr>
           </a:p>
         </p:txBody>
       </p:sp>
@@ -5807,7 +5837,10 @@
           <a:lstStyle/>
           <a:p>
             <a:pPr algn="ctr"/>
-            <a:endParaRPr lang="ko-KR" altLang="en-US" dirty="0"/>
+            <a:endParaRPr lang="ko-KR" altLang="en-US" dirty="0">
+              <a:latin typeface="Times New Roman" panose="02020603050405020304" pitchFamily="18" charset="0"/>
+              <a:cs typeface="Times New Roman" panose="02020603050405020304" pitchFamily="18" charset="0"/>
+            </a:endParaRPr>
           </a:p>
         </p:txBody>
       </p:sp>
@@ -5862,7 +5895,10 @@
                     </m:oMath>
                   </m:oMathPara>
                 </a14:m>
-                <a:endParaRPr lang="ko-KR" altLang="en-US" sz="3200" b="1" dirty="0"/>
+                <a:endParaRPr lang="ko-KR" altLang="en-US" sz="3200" b="1" dirty="0">
+                  <a:latin typeface="Times New Roman" panose="02020603050405020304" pitchFamily="18" charset="0"/>
+                  <a:cs typeface="Times New Roman" panose="02020603050405020304" pitchFamily="18" charset="0"/>
+                </a:endParaRPr>
               </a:p>
             </p:txBody>
           </p:sp>
@@ -6076,7 +6112,10 @@
           <a:lstStyle/>
           <a:p>
             <a:pPr algn="ctr"/>
-            <a:endParaRPr lang="ko-KR" altLang="en-US" dirty="0"/>
+            <a:endParaRPr lang="ko-KR" altLang="en-US" dirty="0">
+              <a:latin typeface="Times New Roman" panose="02020603050405020304" pitchFamily="18" charset="0"/>
+              <a:cs typeface="Times New Roman" panose="02020603050405020304" pitchFamily="18" charset="0"/>
+            </a:endParaRPr>
           </a:p>
         </p:txBody>
       </p:sp>
@@ -6222,7 +6261,10 @@
           <a:lstStyle/>
           <a:p>
             <a:pPr algn="ctr"/>
-            <a:endParaRPr lang="ko-KR" altLang="en-US" dirty="0"/>
+            <a:endParaRPr lang="ko-KR" altLang="en-US" dirty="0">
+              <a:latin typeface="Times New Roman" panose="02020603050405020304" pitchFamily="18" charset="0"/>
+              <a:cs typeface="Times New Roman" panose="02020603050405020304" pitchFamily="18" charset="0"/>
+            </a:endParaRPr>
           </a:p>
         </p:txBody>
       </p:sp>
@@ -6277,7 +6319,10 @@
                     </m:oMath>
                   </m:oMathPara>
                 </a14:m>
-                <a:endParaRPr lang="ko-KR" altLang="en-US" sz="3200" b="1" dirty="0"/>
+                <a:endParaRPr lang="ko-KR" altLang="en-US" sz="3200" b="1" dirty="0">
+                  <a:latin typeface="Times New Roman" panose="02020603050405020304" pitchFamily="18" charset="0"/>
+                  <a:cs typeface="Times New Roman" panose="02020603050405020304" pitchFamily="18" charset="0"/>
+                </a:endParaRPr>
               </a:p>
             </p:txBody>
           </p:sp>
@@ -6481,7 +6526,8 @@
             <a:solidFill>
               <a:schemeClr val="tx1"/>
             </a:solidFill>
-            <a:tailEnd type="triangle"/>
+            <a:headEnd type="triangle"/>
+            <a:tailEnd type="none"/>
           </a:ln>
         </p:spPr>
         <p:style>
@@ -6517,7 +6563,8 @@
             <a:solidFill>
               <a:schemeClr val="tx1"/>
             </a:solidFill>
-            <a:tailEnd type="triangle"/>
+            <a:headEnd type="triangle"/>
+            <a:tailEnd type="none"/>
           </a:ln>
         </p:spPr>
         <p:style>
@@ -6553,7 +6600,8 @@
             <a:solidFill>
               <a:schemeClr val="tx1"/>
             </a:solidFill>
-            <a:tailEnd type="triangle"/>
+            <a:headEnd type="triangle"/>
+            <a:tailEnd type="none"/>
           </a:ln>
         </p:spPr>
         <p:style>
@@ -6589,7 +6637,8 @@
             <a:solidFill>
               <a:schemeClr val="tx1"/>
             </a:solidFill>
-            <a:tailEnd type="triangle"/>
+            <a:headEnd type="triangle"/>
+            <a:tailEnd type="none"/>
           </a:ln>
         </p:spPr>
         <p:style>
@@ -6625,7 +6674,8 @@
             <a:solidFill>
               <a:schemeClr val="tx1"/>
             </a:solidFill>
-            <a:tailEnd type="triangle"/>
+            <a:headEnd type="triangle"/>
+            <a:tailEnd type="none"/>
           </a:ln>
         </p:spPr>
         <p:style>
@@ -6661,7 +6711,8 @@
             <a:solidFill>
               <a:schemeClr val="tx1"/>
             </a:solidFill>
-            <a:tailEnd type="triangle"/>
+            <a:headEnd type="triangle"/>
+            <a:tailEnd type="none"/>
           </a:ln>
         </p:spPr>
         <p:style>
@@ -6697,7 +6748,8 @@
             <a:solidFill>
               <a:schemeClr val="tx1"/>
             </a:solidFill>
-            <a:tailEnd type="triangle"/>
+            <a:headEnd type="triangle"/>
+            <a:tailEnd type="none"/>
           </a:ln>
         </p:spPr>
         <p:style>
@@ -6733,7 +6785,8 @@
             <a:solidFill>
               <a:schemeClr val="tx1"/>
             </a:solidFill>
-            <a:tailEnd type="triangle"/>
+            <a:headEnd type="triangle"/>
+            <a:tailEnd type="none"/>
           </a:ln>
         </p:spPr>
         <p:style>
